--- a/images/portfolio/salesforce/team_lunch.pptx
+++ b/images/portfolio/salesforce/team_lunch.pptx
@@ -5,7 +5,7 @@
     <p:sldMasterId id="2147483660" r:id="rId1"/>
   </p:sldMasterIdLst>
   <p:sldIdLst>
-    <p:sldId id="256" r:id="rId2"/>
+    <p:sldId id="257" r:id="rId2"/>
   </p:sldIdLst>
   <p:sldSz cx="10972800" cy="7315200"/>
   <p:notesSz cx="6858000" cy="9144000"/>
@@ -243,7 +243,7 @@
           <a:p>
             <a:fld id="{B13E8183-A3BB-496E-A844-7A5C35D5E949}" type="datetimeFigureOut">
               <a:rPr lang="en-US" smtClean="0"/>
-              <a:t>11/3/2021</a:t>
+              <a:t>12/14/2021</a:t>
             </a:fld>
             <a:endParaRPr lang="en-US"/>
           </a:p>
@@ -413,7 +413,7 @@
           <a:p>
             <a:fld id="{B13E8183-A3BB-496E-A844-7A5C35D5E949}" type="datetimeFigureOut">
               <a:rPr lang="en-US" smtClean="0"/>
-              <a:t>11/3/2021</a:t>
+              <a:t>12/14/2021</a:t>
             </a:fld>
             <a:endParaRPr lang="en-US"/>
           </a:p>
@@ -593,7 +593,7 @@
           <a:p>
             <a:fld id="{B13E8183-A3BB-496E-A844-7A5C35D5E949}" type="datetimeFigureOut">
               <a:rPr lang="en-US" smtClean="0"/>
-              <a:t>11/3/2021</a:t>
+              <a:t>12/14/2021</a:t>
             </a:fld>
             <a:endParaRPr lang="en-US"/>
           </a:p>
@@ -763,7 +763,7 @@
           <a:p>
             <a:fld id="{B13E8183-A3BB-496E-A844-7A5C35D5E949}" type="datetimeFigureOut">
               <a:rPr lang="en-US" smtClean="0"/>
-              <a:t>11/3/2021</a:t>
+              <a:t>12/14/2021</a:t>
             </a:fld>
             <a:endParaRPr lang="en-US"/>
           </a:p>
@@ -1007,7 +1007,7 @@
           <a:p>
             <a:fld id="{B13E8183-A3BB-496E-A844-7A5C35D5E949}" type="datetimeFigureOut">
               <a:rPr lang="en-US" smtClean="0"/>
-              <a:t>11/3/2021</a:t>
+              <a:t>12/14/2021</a:t>
             </a:fld>
             <a:endParaRPr lang="en-US"/>
           </a:p>
@@ -1239,7 +1239,7 @@
           <a:p>
             <a:fld id="{B13E8183-A3BB-496E-A844-7A5C35D5E949}" type="datetimeFigureOut">
               <a:rPr lang="en-US" smtClean="0"/>
-              <a:t>11/3/2021</a:t>
+              <a:t>12/14/2021</a:t>
             </a:fld>
             <a:endParaRPr lang="en-US"/>
           </a:p>
@@ -1606,7 +1606,7 @@
           <a:p>
             <a:fld id="{B13E8183-A3BB-496E-A844-7A5C35D5E949}" type="datetimeFigureOut">
               <a:rPr lang="en-US" smtClean="0"/>
-              <a:t>11/3/2021</a:t>
+              <a:t>12/14/2021</a:t>
             </a:fld>
             <a:endParaRPr lang="en-US"/>
           </a:p>
@@ -1724,7 +1724,7 @@
           <a:p>
             <a:fld id="{B13E8183-A3BB-496E-A844-7A5C35D5E949}" type="datetimeFigureOut">
               <a:rPr lang="en-US" smtClean="0"/>
-              <a:t>11/3/2021</a:t>
+              <a:t>12/14/2021</a:t>
             </a:fld>
             <a:endParaRPr lang="en-US"/>
           </a:p>
@@ -1819,7 +1819,7 @@
           <a:p>
             <a:fld id="{B13E8183-A3BB-496E-A844-7A5C35D5E949}" type="datetimeFigureOut">
               <a:rPr lang="en-US" smtClean="0"/>
-              <a:t>11/3/2021</a:t>
+              <a:t>12/14/2021</a:t>
             </a:fld>
             <a:endParaRPr lang="en-US"/>
           </a:p>
@@ -2096,7 +2096,7 @@
           <a:p>
             <a:fld id="{B13E8183-A3BB-496E-A844-7A5C35D5E949}" type="datetimeFigureOut">
               <a:rPr lang="en-US" smtClean="0"/>
-              <a:t>11/3/2021</a:t>
+              <a:t>12/14/2021</a:t>
             </a:fld>
             <a:endParaRPr lang="en-US"/>
           </a:p>
@@ -2353,7 +2353,7 @@
           <a:p>
             <a:fld id="{B13E8183-A3BB-496E-A844-7A5C35D5E949}" type="datetimeFigureOut">
               <a:rPr lang="en-US" smtClean="0"/>
-              <a:t>11/3/2021</a:t>
+              <a:t>12/14/2021</a:t>
             </a:fld>
             <a:endParaRPr lang="en-US"/>
           </a:p>
@@ -2566,7 +2566,7 @@
           <a:p>
             <a:fld id="{B13E8183-A3BB-496E-A844-7A5C35D5E949}" type="datetimeFigureOut">
               <a:rPr lang="en-US" smtClean="0"/>
-              <a:t>11/3/2021</a:t>
+              <a:t>12/14/2021</a:t>
             </a:fld>
             <a:endParaRPr lang="en-US"/>
           </a:p>
@@ -3030,7 +3030,7 @@
         <p:spPr>
           <a:xfrm>
             <a:off x="0" y="6586943"/>
-            <a:ext cx="1201271" cy="367552"/>
+            <a:ext cx="10829365" cy="512694"/>
           </a:xfrm>
           <a:prstGeom prst="rect">
             <a:avLst/>
@@ -3106,7 +3106,7 @@
     </p:spTree>
     <p:extLst>
       <p:ext uri="{BB962C8B-B14F-4D97-AF65-F5344CB8AC3E}">
-        <p14:creationId xmlns:p14="http://schemas.microsoft.com/office/powerpoint/2010/main" val="2534488170"/>
+        <p14:creationId xmlns:p14="http://schemas.microsoft.com/office/powerpoint/2010/main" val="3822368920"/>
       </p:ext>
     </p:extLst>
   </p:cSld>
